--- a/ifml_flow_diagrams/FlowDiagramsPowerPoint.pptx
+++ b/ifml_flow_diagrams/FlowDiagramsPowerPoint.pptx
@@ -291,7 +291,7 @@
           <a:p>
             <a:fld id="{A77B2976-7E98-BC49-9E83-FDCDFC6F687C}" type="datetimeFigureOut">
               <a:rPr lang="en-US" smtClean="0"/>
-              <a:t>14/02/15</a:t>
+              <a:t>16/02/15</a:t>
             </a:fld>
             <a:endParaRPr lang="en-US"/>
           </a:p>
@@ -461,7 +461,7 @@
           <a:p>
             <a:fld id="{A77B2976-7E98-BC49-9E83-FDCDFC6F687C}" type="datetimeFigureOut">
               <a:rPr lang="en-US" smtClean="0"/>
-              <a:t>14/02/15</a:t>
+              <a:t>16/02/15</a:t>
             </a:fld>
             <a:endParaRPr lang="en-US"/>
           </a:p>
@@ -641,7 +641,7 @@
           <a:p>
             <a:fld id="{A77B2976-7E98-BC49-9E83-FDCDFC6F687C}" type="datetimeFigureOut">
               <a:rPr lang="en-US" smtClean="0"/>
-              <a:t>14/02/15</a:t>
+              <a:t>16/02/15</a:t>
             </a:fld>
             <a:endParaRPr lang="en-US"/>
           </a:p>
@@ -811,7 +811,7 @@
           <a:p>
             <a:fld id="{A77B2976-7E98-BC49-9E83-FDCDFC6F687C}" type="datetimeFigureOut">
               <a:rPr lang="en-US" smtClean="0"/>
-              <a:t>14/02/15</a:t>
+              <a:t>16/02/15</a:t>
             </a:fld>
             <a:endParaRPr lang="en-US"/>
           </a:p>
@@ -1057,7 +1057,7 @@
           <a:p>
             <a:fld id="{A77B2976-7E98-BC49-9E83-FDCDFC6F687C}" type="datetimeFigureOut">
               <a:rPr lang="en-US" smtClean="0"/>
-              <a:t>14/02/15</a:t>
+              <a:t>16/02/15</a:t>
             </a:fld>
             <a:endParaRPr lang="en-US"/>
           </a:p>
@@ -1345,7 +1345,7 @@
           <a:p>
             <a:fld id="{A77B2976-7E98-BC49-9E83-FDCDFC6F687C}" type="datetimeFigureOut">
               <a:rPr lang="en-US" smtClean="0"/>
-              <a:t>14/02/15</a:t>
+              <a:t>16/02/15</a:t>
             </a:fld>
             <a:endParaRPr lang="en-US"/>
           </a:p>
@@ -1767,7 +1767,7 @@
           <a:p>
             <a:fld id="{A77B2976-7E98-BC49-9E83-FDCDFC6F687C}" type="datetimeFigureOut">
               <a:rPr lang="en-US" smtClean="0"/>
-              <a:t>14/02/15</a:t>
+              <a:t>16/02/15</a:t>
             </a:fld>
             <a:endParaRPr lang="en-US"/>
           </a:p>
@@ -1885,7 +1885,7 @@
           <a:p>
             <a:fld id="{A77B2976-7E98-BC49-9E83-FDCDFC6F687C}" type="datetimeFigureOut">
               <a:rPr lang="en-US" smtClean="0"/>
-              <a:t>14/02/15</a:t>
+              <a:t>16/02/15</a:t>
             </a:fld>
             <a:endParaRPr lang="en-US"/>
           </a:p>
@@ -1980,7 +1980,7 @@
           <a:p>
             <a:fld id="{A77B2976-7E98-BC49-9E83-FDCDFC6F687C}" type="datetimeFigureOut">
               <a:rPr lang="en-US" smtClean="0"/>
-              <a:t>14/02/15</a:t>
+              <a:t>16/02/15</a:t>
             </a:fld>
             <a:endParaRPr lang="en-US"/>
           </a:p>
@@ -2257,7 +2257,7 @@
           <a:p>
             <a:fld id="{A77B2976-7E98-BC49-9E83-FDCDFC6F687C}" type="datetimeFigureOut">
               <a:rPr lang="en-US" smtClean="0"/>
-              <a:t>14/02/15</a:t>
+              <a:t>16/02/15</a:t>
             </a:fld>
             <a:endParaRPr lang="en-US"/>
           </a:p>
@@ -2510,7 +2510,7 @@
           <a:p>
             <a:fld id="{A77B2976-7E98-BC49-9E83-FDCDFC6F687C}" type="datetimeFigureOut">
               <a:rPr lang="en-US" smtClean="0"/>
-              <a:t>14/02/15</a:t>
+              <a:t>16/02/15</a:t>
             </a:fld>
             <a:endParaRPr lang="en-US"/>
           </a:p>
@@ -2723,7 +2723,7 @@
           <a:p>
             <a:fld id="{A77B2976-7E98-BC49-9E83-FDCDFC6F687C}" type="datetimeFigureOut">
               <a:rPr lang="en-US" smtClean="0"/>
-              <a:t>14/02/15</a:t>
+              <a:t>16/02/15</a:t>
             </a:fld>
             <a:endParaRPr lang="en-US"/>
           </a:p>
@@ -3201,7 +3201,7 @@
             <a:pPr algn="ctr"/>
             <a:r>
               <a:rPr lang="en-US" dirty="0" smtClean="0"/>
-              <a:t>Any Page</a:t>
+              <a:t>Page Header</a:t>
             </a:r>
             <a:endParaRPr lang="en-US" dirty="0"/>
           </a:p>
@@ -5954,7 +5954,7 @@
             <a:pPr algn="ctr"/>
             <a:r>
               <a:rPr lang="en-US" dirty="0" smtClean="0"/>
-              <a:t>Any Page</a:t>
+              <a:t>Page Header</a:t>
             </a:r>
             <a:endParaRPr lang="en-US" dirty="0"/>
           </a:p>
@@ -6458,7 +6458,7 @@
             <a:pPr algn="ctr"/>
             <a:r>
               <a:rPr lang="en-US" dirty="0" smtClean="0"/>
-              <a:t>Any Page</a:t>
+              <a:t>Page Header</a:t>
             </a:r>
             <a:endParaRPr lang="en-US" dirty="0"/>
           </a:p>
